--- a/docs/template/CaroloCup2014-Concept-Template.pptx
+++ b/docs/template/CaroloCup2014-Concept-Template.pptx
@@ -669,22 +669,7 @@
                 <a:spcPct val="0"/>
               </a:spcBef>
             </a:pPr>
-            <a:r>
-              <a:rPr lang="en-US" smtClean="0"/>
-              <a:t>Add Red Focus Circles : Ehsan</a:t>
-            </a:r>
-          </a:p>
-          <a:p>
-            <a:pPr defTabSz="736600" eaLnBrk="1" hangingPunct="1">
-              <a:spcBef>
-                <a:spcPct val="0"/>
-              </a:spcBef>
-            </a:pPr>
-            <a:r>
-              <a:rPr lang="en-US" smtClean="0"/>
-              <a:t>+Add car picture</a:t>
-            </a:r>
-            <a:endParaRPr lang="el-GR" smtClean="0"/>
+            <a:endParaRPr lang="el-GR" dirty="0" smtClean="0"/>
           </a:p>
         </p:txBody>
       </p:sp>
@@ -824,22 +809,7 @@
                 <a:spcPct val="0"/>
               </a:spcBef>
             </a:pPr>
-            <a:r>
-              <a:rPr lang="en-US" smtClean="0"/>
-              <a:t>Add Red Focus Circles : Ehsan</a:t>
-            </a:r>
-          </a:p>
-          <a:p>
-            <a:pPr defTabSz="736600" eaLnBrk="1" hangingPunct="1">
-              <a:spcBef>
-                <a:spcPct val="0"/>
-              </a:spcBef>
-            </a:pPr>
-            <a:r>
-              <a:rPr lang="en-US" smtClean="0"/>
-              <a:t>+Add car picture</a:t>
-            </a:r>
-            <a:endParaRPr lang="el-GR" smtClean="0"/>
+            <a:endParaRPr lang="el-GR" dirty="0" smtClean="0"/>
           </a:p>
         </p:txBody>
       </p:sp>
@@ -5742,11 +5712,7 @@
             </a:r>
             <a:r>
               <a:rPr lang="en-US" sz="3600" noProof="0" dirty="0" smtClean="0"/>
-              <a:t> Cup </a:t>
-            </a:r>
-            <a:r>
-              <a:rPr lang="en-US" sz="3600" noProof="0" dirty="0" smtClean="0"/>
-              <a:t>2014</a:t>
+              <a:t> Cup 2014</a:t>
             </a:r>
             <a:endParaRPr lang="en-US" sz="3600" noProof="0" dirty="0"/>
           </a:p>
@@ -11841,7 +11807,6 @@
               <a:rPr lang="en-US" sz="1400" dirty="0"/>
               <a:t>Communication</a:t>
             </a:r>
-            <a:endParaRPr lang="en-US" sz="1400" dirty="0"/>
           </a:p>
         </p:txBody>
       </p:sp>
@@ -13192,17 +13157,8 @@
             <a:pPr defTabSz="762000"/>
             <a:r>
               <a:rPr lang="en-US" sz="1800" noProof="0" dirty="0" smtClean="0"/>
-              <a:t>September 19, 2013</a:t>
-            </a:r>
-            <a:r>
-              <a:rPr lang="en-US" sz="1800" noProof="0" dirty="0" smtClean="0"/>
-              <a:t>		</a:t>
-            </a:r>
-            <a:r>
-              <a:rPr lang="en-US" sz="1800" noProof="0" dirty="0" smtClean="0"/>
-              <a:t>Concept  Discussion</a:t>
-            </a:r>
-            <a:endParaRPr lang="en-US" sz="1800" noProof="0" dirty="0" smtClean="0"/>
+              <a:t>September 19, 2013		Concept  Discussion</a:t>
+            </a:r>
           </a:p>
           <a:p>
             <a:pPr defTabSz="762000"/>
@@ -13212,23 +13168,7 @@
             <a:pPr defTabSz="762000"/>
             <a:r>
               <a:rPr lang="en-US" sz="1800" noProof="0" dirty="0" smtClean="0"/>
-              <a:t>October 31, </a:t>
-            </a:r>
-            <a:r>
-              <a:rPr lang="en-US" sz="1800" noProof="0" dirty="0" smtClean="0"/>
-              <a:t>2013</a:t>
-            </a:r>
-            <a:r>
-              <a:rPr lang="en-US" sz="1800" noProof="0" dirty="0" smtClean="0"/>
-              <a:t>		</a:t>
-            </a:r>
-            <a:r>
-              <a:rPr lang="en-US" sz="1800" noProof="0" dirty="0" smtClean="0"/>
-              <a:t>	Hardware </a:t>
-            </a:r>
-            <a:r>
-              <a:rPr lang="en-US" sz="1800" noProof="0" dirty="0" smtClean="0"/>
-              <a:t>Freeze</a:t>
+              <a:t>October 31, 2013			Hardware Freeze</a:t>
             </a:r>
           </a:p>
           <a:p>
@@ -13239,15 +13179,7 @@
             <a:pPr defTabSz="762000"/>
             <a:r>
               <a:rPr lang="en-US" sz="1800" noProof="0" dirty="0" smtClean="0"/>
-              <a:t>November 16, </a:t>
-            </a:r>
-            <a:r>
-              <a:rPr lang="en-US" sz="1800" noProof="0" dirty="0" smtClean="0"/>
-              <a:t>2013</a:t>
-            </a:r>
-            <a:r>
-              <a:rPr lang="en-US" sz="1800" noProof="0" dirty="0" smtClean="0"/>
-              <a:t>		Software Feature Freeze</a:t>
+              <a:t>November 16, 2013		Software Feature Freeze</a:t>
             </a:r>
           </a:p>
           <a:p>
@@ -13258,15 +13190,7 @@
             <a:pPr defTabSz="762000"/>
             <a:r>
               <a:rPr lang="en-US" sz="1800" noProof="0" dirty="0" smtClean="0"/>
-              <a:t>November 25, 2013</a:t>
-            </a:r>
-            <a:r>
-              <a:rPr lang="en-US" sz="1800" noProof="0" dirty="0" smtClean="0"/>
-              <a:t>		</a:t>
-            </a:r>
-            <a:r>
-              <a:rPr lang="en-US" sz="1800" noProof="0" dirty="0" smtClean="0"/>
-              <a:t>Robotics Week &amp; Sponsor </a:t>
+              <a:t>November 25, 2013		Robotics Week &amp; Sponsor </a:t>
             </a:r>
             <a:r>
               <a:rPr lang="en-US" sz="1800" noProof="0" dirty="0" err="1" smtClean="0"/>
@@ -13286,15 +13210,7 @@
             <a:pPr defTabSz="762000"/>
             <a:r>
               <a:rPr lang="en-US" sz="1800" noProof="0" dirty="0" smtClean="0"/>
-              <a:t>December 23, </a:t>
-            </a:r>
-            <a:r>
-              <a:rPr lang="en-US" sz="1800" noProof="0" dirty="0" smtClean="0"/>
-              <a:t>2013</a:t>
-            </a:r>
-            <a:r>
-              <a:rPr lang="en-US" sz="1800" noProof="0" dirty="0" smtClean="0"/>
-              <a:t>		Official Application to Competition</a:t>
+              <a:t>December 23, 2013		Official Application to Competition</a:t>
             </a:r>
           </a:p>
           <a:p>
@@ -13319,17 +13235,8 @@
             </a:r>
             <a:r>
               <a:rPr lang="en-US" sz="1800" noProof="0" dirty="0" smtClean="0"/>
-              <a:t>, 2014</a:t>
-            </a:r>
-            <a:r>
-              <a:rPr lang="en-US" sz="1800" noProof="0" dirty="0" smtClean="0"/>
-              <a:t>		</a:t>
-            </a:r>
-            <a:r>
-              <a:rPr lang="en-US" sz="1800" noProof="0" dirty="0" smtClean="0"/>
-              <a:t>	Training</a:t>
-            </a:r>
-            <a:endParaRPr lang="en-US" sz="1800" noProof="0" dirty="0" smtClean="0"/>
+              <a:t>, 2014			Training</a:t>
+            </a:r>
           </a:p>
           <a:p>
             <a:pPr defTabSz="762000"/>
@@ -13347,17 +13254,8 @@
             </a:r>
             <a:r>
               <a:rPr lang="en-US" sz="1800" noProof="0" dirty="0" smtClean="0"/>
-              <a:t>, 2014</a:t>
-            </a:r>
-            <a:r>
-              <a:rPr lang="en-US" sz="1800" noProof="0" dirty="0" smtClean="0"/>
-              <a:t>		</a:t>
-            </a:r>
-            <a:r>
-              <a:rPr lang="en-US" sz="1800" noProof="0" dirty="0" smtClean="0"/>
-              <a:t>	Competition</a:t>
-            </a:r>
-            <a:endParaRPr lang="en-US" sz="1800" noProof="0" dirty="0" smtClean="0"/>
+              <a:t>, 2014			Competition</a:t>
+            </a:r>
           </a:p>
           <a:p>
             <a:pPr defTabSz="762000"/>
@@ -13375,19 +13273,7 @@
             </a:r>
             <a:r>
               <a:rPr lang="en-US" sz="1800" noProof="0" dirty="0" smtClean="0"/>
-              <a:t>, 2014</a:t>
-            </a:r>
-            <a:r>
-              <a:rPr lang="en-US" sz="1800" noProof="0" dirty="0" smtClean="0"/>
-              <a:t>		</a:t>
-            </a:r>
-            <a:r>
-              <a:rPr lang="en-US" sz="1800" noProof="0" dirty="0" smtClean="0"/>
-              <a:t>	Award </a:t>
-            </a:r>
-            <a:r>
-              <a:rPr lang="en-US" sz="1800" noProof="0" dirty="0" smtClean="0"/>
-              <a:t>Ceremony</a:t>
+              <a:t>, 2014			Award Ceremony</a:t>
             </a:r>
           </a:p>
         </p:txBody>
